--- a/ppt 16-9/1463.主的恩典.pptx
+++ b/ppt 16-9/1463.主的恩典.pptx
@@ -129,7 +129,7 @@
           <p:cNvPr id="2" name="标题 1">
             <a:extLst>
               <a:ext uri="{FF2B5EF4-FFF2-40B4-BE49-F238E27FC236}">
-                <a16:creationId xmlns:a16="http://schemas.microsoft.com/office/drawing/2014/main" id="{4CA2B298-3CC1-BD83-A65F-C6F9668735D2}"/>
+                <a16:creationId xmlns:a16="http://schemas.microsoft.com/office/drawing/2014/main" id="{7E8F884C-2306-19CE-A45D-B8ABE5BCD1E4}"/>
               </a:ext>
             </a:extLst>
           </p:cNvPr>
@@ -166,7 +166,7 @@
           <p:cNvPr id="3" name="副标题 2">
             <a:extLst>
               <a:ext uri="{FF2B5EF4-FFF2-40B4-BE49-F238E27FC236}">
-                <a16:creationId xmlns:a16="http://schemas.microsoft.com/office/drawing/2014/main" id="{A0698E8A-0202-0ECC-94E9-0236ED909DB8}"/>
+                <a16:creationId xmlns:a16="http://schemas.microsoft.com/office/drawing/2014/main" id="{8237D924-6CC8-87B7-272B-91C7FD95B39F}"/>
               </a:ext>
             </a:extLst>
           </p:cNvPr>
@@ -236,7 +236,7 @@
           <p:cNvPr id="4" name="日期占位符 3">
             <a:extLst>
               <a:ext uri="{FF2B5EF4-FFF2-40B4-BE49-F238E27FC236}">
-                <a16:creationId xmlns:a16="http://schemas.microsoft.com/office/drawing/2014/main" id="{3456FF8B-4EFB-199F-7588-55F05E4C223B}"/>
+                <a16:creationId xmlns:a16="http://schemas.microsoft.com/office/drawing/2014/main" id="{EF21E736-E224-88BB-1B0A-2C27A1F61078}"/>
               </a:ext>
             </a:extLst>
           </p:cNvPr>
@@ -252,7 +252,7 @@
           <a:bodyPr/>
           <a:lstStyle/>
           <a:p>
-            <a:fld id="{88D0AF80-BF74-4010-A162-80714A657DDA}" type="datetimeFigureOut">
+            <a:fld id="{55900E3D-7F46-4E1C-8F4E-429813DBF53F}" type="datetimeFigureOut">
               <a:rPr lang="zh-CN" altLang="en-US" smtClean="0"/>
               <a:t>2024/3/10</a:t>
             </a:fld>
@@ -265,7 +265,7 @@
           <p:cNvPr id="5" name="页脚占位符 4">
             <a:extLst>
               <a:ext uri="{FF2B5EF4-FFF2-40B4-BE49-F238E27FC236}">
-                <a16:creationId xmlns:a16="http://schemas.microsoft.com/office/drawing/2014/main" id="{E7D55D5B-8FC0-3BB9-5834-4E2012F2AF4E}"/>
+                <a16:creationId xmlns:a16="http://schemas.microsoft.com/office/drawing/2014/main" id="{BB0BCD7F-2E52-A19D-F3D0-77B37A905B1D}"/>
               </a:ext>
             </a:extLst>
           </p:cNvPr>
@@ -290,7 +290,7 @@
           <p:cNvPr id="6" name="灯片编号占位符 5">
             <a:extLst>
               <a:ext uri="{FF2B5EF4-FFF2-40B4-BE49-F238E27FC236}">
-                <a16:creationId xmlns:a16="http://schemas.microsoft.com/office/drawing/2014/main" id="{2542F9ED-311B-F167-662B-35CCF0F5D057}"/>
+                <a16:creationId xmlns:a16="http://schemas.microsoft.com/office/drawing/2014/main" id="{5CFCCD52-5814-49B1-5E66-48563E8AED41}"/>
               </a:ext>
             </a:extLst>
           </p:cNvPr>
@@ -306,7 +306,7 @@
           <a:bodyPr/>
           <a:lstStyle/>
           <a:p>
-            <a:fld id="{523F25ED-4D58-4AC8-8921-236928804C4E}" type="slidenum">
+            <a:fld id="{0E854AF3-90C5-49E8-8B4F-5305D9669494}" type="slidenum">
               <a:rPr lang="zh-CN" altLang="en-US" smtClean="0"/>
               <a:t>‹#›</a:t>
             </a:fld>
@@ -317,7 +317,7 @@
     </p:spTree>
     <p:extLst>
       <p:ext uri="{BB962C8B-B14F-4D97-AF65-F5344CB8AC3E}">
-        <p14:creationId xmlns:p14="http://schemas.microsoft.com/office/powerpoint/2010/main" val="3368775797"/>
+        <p14:creationId xmlns:p14="http://schemas.microsoft.com/office/powerpoint/2010/main" val="3444660810"/>
       </p:ext>
     </p:extLst>
   </p:cSld>
@@ -349,7 +349,7 @@
           <p:cNvPr id="2" name="标题 1">
             <a:extLst>
               <a:ext uri="{FF2B5EF4-FFF2-40B4-BE49-F238E27FC236}">
-                <a16:creationId xmlns:a16="http://schemas.microsoft.com/office/drawing/2014/main" id="{191E6768-6CD7-1CF0-3EF5-4CB72B8B08DD}"/>
+                <a16:creationId xmlns:a16="http://schemas.microsoft.com/office/drawing/2014/main" id="{621B119B-9763-FACD-1762-6A2541723B4F}"/>
               </a:ext>
             </a:extLst>
           </p:cNvPr>
@@ -377,7 +377,7 @@
           <p:cNvPr id="3" name="竖排文字占位符 2">
             <a:extLst>
               <a:ext uri="{FF2B5EF4-FFF2-40B4-BE49-F238E27FC236}">
-                <a16:creationId xmlns:a16="http://schemas.microsoft.com/office/drawing/2014/main" id="{50B48DD6-ABD4-C31C-E574-B71F3247F61A}"/>
+                <a16:creationId xmlns:a16="http://schemas.microsoft.com/office/drawing/2014/main" id="{426EF19A-B5B1-57F0-3B4C-A79A95650E9C}"/>
               </a:ext>
             </a:extLst>
           </p:cNvPr>
@@ -434,7 +434,7 @@
           <p:cNvPr id="4" name="日期占位符 3">
             <a:extLst>
               <a:ext uri="{FF2B5EF4-FFF2-40B4-BE49-F238E27FC236}">
-                <a16:creationId xmlns:a16="http://schemas.microsoft.com/office/drawing/2014/main" id="{E7D49317-50A3-F4A0-2608-C18A8F65426E}"/>
+                <a16:creationId xmlns:a16="http://schemas.microsoft.com/office/drawing/2014/main" id="{270ED8F2-4BD1-40C7-32AC-9A9361151D34}"/>
               </a:ext>
             </a:extLst>
           </p:cNvPr>
@@ -450,7 +450,7 @@
           <a:bodyPr/>
           <a:lstStyle/>
           <a:p>
-            <a:fld id="{88D0AF80-BF74-4010-A162-80714A657DDA}" type="datetimeFigureOut">
+            <a:fld id="{55900E3D-7F46-4E1C-8F4E-429813DBF53F}" type="datetimeFigureOut">
               <a:rPr lang="zh-CN" altLang="en-US" smtClean="0"/>
               <a:t>2024/3/10</a:t>
             </a:fld>
@@ -463,7 +463,7 @@
           <p:cNvPr id="5" name="页脚占位符 4">
             <a:extLst>
               <a:ext uri="{FF2B5EF4-FFF2-40B4-BE49-F238E27FC236}">
-                <a16:creationId xmlns:a16="http://schemas.microsoft.com/office/drawing/2014/main" id="{449CB41D-50A9-9228-7A75-3EB6C579E1BC}"/>
+                <a16:creationId xmlns:a16="http://schemas.microsoft.com/office/drawing/2014/main" id="{B829DE90-3213-BA76-1E48-C98D834CA728}"/>
               </a:ext>
             </a:extLst>
           </p:cNvPr>
@@ -488,7 +488,7 @@
           <p:cNvPr id="6" name="灯片编号占位符 5">
             <a:extLst>
               <a:ext uri="{FF2B5EF4-FFF2-40B4-BE49-F238E27FC236}">
-                <a16:creationId xmlns:a16="http://schemas.microsoft.com/office/drawing/2014/main" id="{03D17C2C-D16C-F53A-5E2E-421770531B80}"/>
+                <a16:creationId xmlns:a16="http://schemas.microsoft.com/office/drawing/2014/main" id="{12C6BD2E-E823-6657-3997-14B542156317}"/>
               </a:ext>
             </a:extLst>
           </p:cNvPr>
@@ -504,7 +504,7 @@
           <a:bodyPr/>
           <a:lstStyle/>
           <a:p>
-            <a:fld id="{523F25ED-4D58-4AC8-8921-236928804C4E}" type="slidenum">
+            <a:fld id="{0E854AF3-90C5-49E8-8B4F-5305D9669494}" type="slidenum">
               <a:rPr lang="zh-CN" altLang="en-US" smtClean="0"/>
               <a:t>‹#›</a:t>
             </a:fld>
@@ -515,7 +515,7 @@
     </p:spTree>
     <p:extLst>
       <p:ext uri="{BB962C8B-B14F-4D97-AF65-F5344CB8AC3E}">
-        <p14:creationId xmlns:p14="http://schemas.microsoft.com/office/powerpoint/2010/main" val="970999800"/>
+        <p14:creationId xmlns:p14="http://schemas.microsoft.com/office/powerpoint/2010/main" val="3856199681"/>
       </p:ext>
     </p:extLst>
   </p:cSld>
@@ -547,7 +547,7 @@
           <p:cNvPr id="2" name="竖排标题 1">
             <a:extLst>
               <a:ext uri="{FF2B5EF4-FFF2-40B4-BE49-F238E27FC236}">
-                <a16:creationId xmlns:a16="http://schemas.microsoft.com/office/drawing/2014/main" id="{1D3E24AB-3BE6-5E7B-4381-78F8626B32F2}"/>
+                <a16:creationId xmlns:a16="http://schemas.microsoft.com/office/drawing/2014/main" id="{EF2AEB30-C5B3-E6E5-6008-14320F6EFD04}"/>
               </a:ext>
             </a:extLst>
           </p:cNvPr>
@@ -580,7 +580,7 @@
           <p:cNvPr id="3" name="竖排文字占位符 2">
             <a:extLst>
               <a:ext uri="{FF2B5EF4-FFF2-40B4-BE49-F238E27FC236}">
-                <a16:creationId xmlns:a16="http://schemas.microsoft.com/office/drawing/2014/main" id="{E7810926-9BAC-B6E1-375D-668E28B16EF8}"/>
+                <a16:creationId xmlns:a16="http://schemas.microsoft.com/office/drawing/2014/main" id="{A20F7EFC-BAAC-7604-B176-70F1AF1DF6A8}"/>
               </a:ext>
             </a:extLst>
           </p:cNvPr>
@@ -642,7 +642,7 @@
           <p:cNvPr id="4" name="日期占位符 3">
             <a:extLst>
               <a:ext uri="{FF2B5EF4-FFF2-40B4-BE49-F238E27FC236}">
-                <a16:creationId xmlns:a16="http://schemas.microsoft.com/office/drawing/2014/main" id="{4BDC9FEB-4D10-FB55-7F4F-56B2F0082485}"/>
+                <a16:creationId xmlns:a16="http://schemas.microsoft.com/office/drawing/2014/main" id="{79778BBD-57EE-8E25-BEF0-6D9A5A658A93}"/>
               </a:ext>
             </a:extLst>
           </p:cNvPr>
@@ -658,7 +658,7 @@
           <a:bodyPr/>
           <a:lstStyle/>
           <a:p>
-            <a:fld id="{88D0AF80-BF74-4010-A162-80714A657DDA}" type="datetimeFigureOut">
+            <a:fld id="{55900E3D-7F46-4E1C-8F4E-429813DBF53F}" type="datetimeFigureOut">
               <a:rPr lang="zh-CN" altLang="en-US" smtClean="0"/>
               <a:t>2024/3/10</a:t>
             </a:fld>
@@ -671,7 +671,7 @@
           <p:cNvPr id="5" name="页脚占位符 4">
             <a:extLst>
               <a:ext uri="{FF2B5EF4-FFF2-40B4-BE49-F238E27FC236}">
-                <a16:creationId xmlns:a16="http://schemas.microsoft.com/office/drawing/2014/main" id="{59D6AEA4-A4A9-A926-EC16-965A464A2CF0}"/>
+                <a16:creationId xmlns:a16="http://schemas.microsoft.com/office/drawing/2014/main" id="{34FBBDE4-5833-95A2-FFF4-025040F111C8}"/>
               </a:ext>
             </a:extLst>
           </p:cNvPr>
@@ -696,7 +696,7 @@
           <p:cNvPr id="6" name="灯片编号占位符 5">
             <a:extLst>
               <a:ext uri="{FF2B5EF4-FFF2-40B4-BE49-F238E27FC236}">
-                <a16:creationId xmlns:a16="http://schemas.microsoft.com/office/drawing/2014/main" id="{DE170688-5975-0002-F538-927B8F5CE3BE}"/>
+                <a16:creationId xmlns:a16="http://schemas.microsoft.com/office/drawing/2014/main" id="{9645148F-0211-3DDB-E922-FD4805556A6A}"/>
               </a:ext>
             </a:extLst>
           </p:cNvPr>
@@ -712,7 +712,7 @@
           <a:bodyPr/>
           <a:lstStyle/>
           <a:p>
-            <a:fld id="{523F25ED-4D58-4AC8-8921-236928804C4E}" type="slidenum">
+            <a:fld id="{0E854AF3-90C5-49E8-8B4F-5305D9669494}" type="slidenum">
               <a:rPr lang="zh-CN" altLang="en-US" smtClean="0"/>
               <a:t>‹#›</a:t>
             </a:fld>
@@ -723,7 +723,7 @@
     </p:spTree>
     <p:extLst>
       <p:ext uri="{BB962C8B-B14F-4D97-AF65-F5344CB8AC3E}">
-        <p14:creationId xmlns:p14="http://schemas.microsoft.com/office/powerpoint/2010/main" val="1521933310"/>
+        <p14:creationId xmlns:p14="http://schemas.microsoft.com/office/powerpoint/2010/main" val="4238839727"/>
       </p:ext>
     </p:extLst>
   </p:cSld>
@@ -755,7 +755,7 @@
           <p:cNvPr id="2" name="标题 1">
             <a:extLst>
               <a:ext uri="{FF2B5EF4-FFF2-40B4-BE49-F238E27FC236}">
-                <a16:creationId xmlns:a16="http://schemas.microsoft.com/office/drawing/2014/main" id="{E887CE14-70D5-FD93-58FC-182C8A995A0A}"/>
+                <a16:creationId xmlns:a16="http://schemas.microsoft.com/office/drawing/2014/main" id="{B74C57E3-1258-CF25-97FB-8AB09AEABA18}"/>
               </a:ext>
             </a:extLst>
           </p:cNvPr>
@@ -783,7 +783,7 @@
           <p:cNvPr id="3" name="内容占位符 2">
             <a:extLst>
               <a:ext uri="{FF2B5EF4-FFF2-40B4-BE49-F238E27FC236}">
-                <a16:creationId xmlns:a16="http://schemas.microsoft.com/office/drawing/2014/main" id="{526D9362-A125-9F57-CDCA-A63C1FCDB308}"/>
+                <a16:creationId xmlns:a16="http://schemas.microsoft.com/office/drawing/2014/main" id="{41014842-D955-0848-295B-75852F3B369B}"/>
               </a:ext>
             </a:extLst>
           </p:cNvPr>
@@ -840,7 +840,7 @@
           <p:cNvPr id="4" name="日期占位符 3">
             <a:extLst>
               <a:ext uri="{FF2B5EF4-FFF2-40B4-BE49-F238E27FC236}">
-                <a16:creationId xmlns:a16="http://schemas.microsoft.com/office/drawing/2014/main" id="{92744B9F-F089-D310-E549-FA0530361CCA}"/>
+                <a16:creationId xmlns:a16="http://schemas.microsoft.com/office/drawing/2014/main" id="{895183BC-B8E0-163F-6BD9-69BBFF6C4DC0}"/>
               </a:ext>
             </a:extLst>
           </p:cNvPr>
@@ -856,7 +856,7 @@
           <a:bodyPr/>
           <a:lstStyle/>
           <a:p>
-            <a:fld id="{88D0AF80-BF74-4010-A162-80714A657DDA}" type="datetimeFigureOut">
+            <a:fld id="{55900E3D-7F46-4E1C-8F4E-429813DBF53F}" type="datetimeFigureOut">
               <a:rPr lang="zh-CN" altLang="en-US" smtClean="0"/>
               <a:t>2024/3/10</a:t>
             </a:fld>
@@ -869,7 +869,7 @@
           <p:cNvPr id="5" name="页脚占位符 4">
             <a:extLst>
               <a:ext uri="{FF2B5EF4-FFF2-40B4-BE49-F238E27FC236}">
-                <a16:creationId xmlns:a16="http://schemas.microsoft.com/office/drawing/2014/main" id="{AD898976-6610-D3BB-8018-B49E2A1DEDE3}"/>
+                <a16:creationId xmlns:a16="http://schemas.microsoft.com/office/drawing/2014/main" id="{B35BF106-96F6-B258-4F76-D8DB9AC88A01}"/>
               </a:ext>
             </a:extLst>
           </p:cNvPr>
@@ -894,7 +894,7 @@
           <p:cNvPr id="6" name="灯片编号占位符 5">
             <a:extLst>
               <a:ext uri="{FF2B5EF4-FFF2-40B4-BE49-F238E27FC236}">
-                <a16:creationId xmlns:a16="http://schemas.microsoft.com/office/drawing/2014/main" id="{185D95E6-B5F0-7963-B8F0-B6F23EC8D185}"/>
+                <a16:creationId xmlns:a16="http://schemas.microsoft.com/office/drawing/2014/main" id="{975E64B2-078B-EE84-B326-97A69A7F6366}"/>
               </a:ext>
             </a:extLst>
           </p:cNvPr>
@@ -910,7 +910,7 @@
           <a:bodyPr/>
           <a:lstStyle/>
           <a:p>
-            <a:fld id="{523F25ED-4D58-4AC8-8921-236928804C4E}" type="slidenum">
+            <a:fld id="{0E854AF3-90C5-49E8-8B4F-5305D9669494}" type="slidenum">
               <a:rPr lang="zh-CN" altLang="en-US" smtClean="0"/>
               <a:t>‹#›</a:t>
             </a:fld>
@@ -921,7 +921,7 @@
     </p:spTree>
     <p:extLst>
       <p:ext uri="{BB962C8B-B14F-4D97-AF65-F5344CB8AC3E}">
-        <p14:creationId xmlns:p14="http://schemas.microsoft.com/office/powerpoint/2010/main" val="1933086960"/>
+        <p14:creationId xmlns:p14="http://schemas.microsoft.com/office/powerpoint/2010/main" val="540245228"/>
       </p:ext>
     </p:extLst>
   </p:cSld>
@@ -953,7 +953,7 @@
           <p:cNvPr id="2" name="标题 1">
             <a:extLst>
               <a:ext uri="{FF2B5EF4-FFF2-40B4-BE49-F238E27FC236}">
-                <a16:creationId xmlns:a16="http://schemas.microsoft.com/office/drawing/2014/main" id="{6EA2E29E-7A75-7C97-E3B7-B6CC1661FB53}"/>
+                <a16:creationId xmlns:a16="http://schemas.microsoft.com/office/drawing/2014/main" id="{A5DE1BA0-482A-2BA1-D0E7-BABB30D37784}"/>
               </a:ext>
             </a:extLst>
           </p:cNvPr>
@@ -990,7 +990,7 @@
           <p:cNvPr id="3" name="文本占位符 2">
             <a:extLst>
               <a:ext uri="{FF2B5EF4-FFF2-40B4-BE49-F238E27FC236}">
-                <a16:creationId xmlns:a16="http://schemas.microsoft.com/office/drawing/2014/main" id="{7FDAAC03-64A2-8A45-3DD6-82FF12AAC0B6}"/>
+                <a16:creationId xmlns:a16="http://schemas.microsoft.com/office/drawing/2014/main" id="{AB2B74C6-3DBB-75E2-B91B-75BB7C43F843}"/>
               </a:ext>
             </a:extLst>
           </p:cNvPr>
@@ -1115,7 +1115,7 @@
           <p:cNvPr id="4" name="日期占位符 3">
             <a:extLst>
               <a:ext uri="{FF2B5EF4-FFF2-40B4-BE49-F238E27FC236}">
-                <a16:creationId xmlns:a16="http://schemas.microsoft.com/office/drawing/2014/main" id="{0E165FBE-E252-27C8-575C-3D2CED1D00C2}"/>
+                <a16:creationId xmlns:a16="http://schemas.microsoft.com/office/drawing/2014/main" id="{6FF8A5D8-833E-5500-EB1A-43A46B3517F4}"/>
               </a:ext>
             </a:extLst>
           </p:cNvPr>
@@ -1131,7 +1131,7 @@
           <a:bodyPr/>
           <a:lstStyle/>
           <a:p>
-            <a:fld id="{88D0AF80-BF74-4010-A162-80714A657DDA}" type="datetimeFigureOut">
+            <a:fld id="{55900E3D-7F46-4E1C-8F4E-429813DBF53F}" type="datetimeFigureOut">
               <a:rPr lang="zh-CN" altLang="en-US" smtClean="0"/>
               <a:t>2024/3/10</a:t>
             </a:fld>
@@ -1144,7 +1144,7 @@
           <p:cNvPr id="5" name="页脚占位符 4">
             <a:extLst>
               <a:ext uri="{FF2B5EF4-FFF2-40B4-BE49-F238E27FC236}">
-                <a16:creationId xmlns:a16="http://schemas.microsoft.com/office/drawing/2014/main" id="{6CDAE4DF-45CF-DE3E-70D4-05ACE5842735}"/>
+                <a16:creationId xmlns:a16="http://schemas.microsoft.com/office/drawing/2014/main" id="{84F71714-3E7C-1516-E55F-80A8F1E91E3E}"/>
               </a:ext>
             </a:extLst>
           </p:cNvPr>
@@ -1169,7 +1169,7 @@
           <p:cNvPr id="6" name="灯片编号占位符 5">
             <a:extLst>
               <a:ext uri="{FF2B5EF4-FFF2-40B4-BE49-F238E27FC236}">
-                <a16:creationId xmlns:a16="http://schemas.microsoft.com/office/drawing/2014/main" id="{9BA7FA19-8698-703D-5640-6CD37D49C243}"/>
+                <a16:creationId xmlns:a16="http://schemas.microsoft.com/office/drawing/2014/main" id="{4720E994-11FB-DCD6-E4E3-C8C91F2B7135}"/>
               </a:ext>
             </a:extLst>
           </p:cNvPr>
@@ -1185,7 +1185,7 @@
           <a:bodyPr/>
           <a:lstStyle/>
           <a:p>
-            <a:fld id="{523F25ED-4D58-4AC8-8921-236928804C4E}" type="slidenum">
+            <a:fld id="{0E854AF3-90C5-49E8-8B4F-5305D9669494}" type="slidenum">
               <a:rPr lang="zh-CN" altLang="en-US" smtClean="0"/>
               <a:t>‹#›</a:t>
             </a:fld>
@@ -1196,7 +1196,7 @@
     </p:spTree>
     <p:extLst>
       <p:ext uri="{BB962C8B-B14F-4D97-AF65-F5344CB8AC3E}">
-        <p14:creationId xmlns:p14="http://schemas.microsoft.com/office/powerpoint/2010/main" val="3258143843"/>
+        <p14:creationId xmlns:p14="http://schemas.microsoft.com/office/powerpoint/2010/main" val="4038968017"/>
       </p:ext>
     </p:extLst>
   </p:cSld>
@@ -1228,7 +1228,7 @@
           <p:cNvPr id="2" name="标题 1">
             <a:extLst>
               <a:ext uri="{FF2B5EF4-FFF2-40B4-BE49-F238E27FC236}">
-                <a16:creationId xmlns:a16="http://schemas.microsoft.com/office/drawing/2014/main" id="{87D3C9CD-8014-856F-B7F7-1B5395642D96}"/>
+                <a16:creationId xmlns:a16="http://schemas.microsoft.com/office/drawing/2014/main" id="{ED699C2D-7521-7CD5-668C-D0413BB7C681}"/>
               </a:ext>
             </a:extLst>
           </p:cNvPr>
@@ -1256,7 +1256,7 @@
           <p:cNvPr id="3" name="内容占位符 2">
             <a:extLst>
               <a:ext uri="{FF2B5EF4-FFF2-40B4-BE49-F238E27FC236}">
-                <a16:creationId xmlns:a16="http://schemas.microsoft.com/office/drawing/2014/main" id="{65F12261-57B7-42CC-99CD-4566FCEA3045}"/>
+                <a16:creationId xmlns:a16="http://schemas.microsoft.com/office/drawing/2014/main" id="{4FF99C0D-7095-FC81-EE42-E3AA27867E72}"/>
               </a:ext>
             </a:extLst>
           </p:cNvPr>
@@ -1318,7 +1318,7 @@
           <p:cNvPr id="4" name="内容占位符 3">
             <a:extLst>
               <a:ext uri="{FF2B5EF4-FFF2-40B4-BE49-F238E27FC236}">
-                <a16:creationId xmlns:a16="http://schemas.microsoft.com/office/drawing/2014/main" id="{B4FF7A31-E378-4AB6-4C86-4E4035654C7E}"/>
+                <a16:creationId xmlns:a16="http://schemas.microsoft.com/office/drawing/2014/main" id="{79F72194-2CD8-CE6F-E85F-614B419ECC11}"/>
               </a:ext>
             </a:extLst>
           </p:cNvPr>
@@ -1380,7 +1380,7 @@
           <p:cNvPr id="5" name="日期占位符 4">
             <a:extLst>
               <a:ext uri="{FF2B5EF4-FFF2-40B4-BE49-F238E27FC236}">
-                <a16:creationId xmlns:a16="http://schemas.microsoft.com/office/drawing/2014/main" id="{7B5B56C9-B771-1F05-F4CE-3D879C3018C0}"/>
+                <a16:creationId xmlns:a16="http://schemas.microsoft.com/office/drawing/2014/main" id="{1D7CC17E-BD4F-53F6-328D-9535F962316D}"/>
               </a:ext>
             </a:extLst>
           </p:cNvPr>
@@ -1396,7 +1396,7 @@
           <a:bodyPr/>
           <a:lstStyle/>
           <a:p>
-            <a:fld id="{88D0AF80-BF74-4010-A162-80714A657DDA}" type="datetimeFigureOut">
+            <a:fld id="{55900E3D-7F46-4E1C-8F4E-429813DBF53F}" type="datetimeFigureOut">
               <a:rPr lang="zh-CN" altLang="en-US" smtClean="0"/>
               <a:t>2024/3/10</a:t>
             </a:fld>
@@ -1409,7 +1409,7 @@
           <p:cNvPr id="6" name="页脚占位符 5">
             <a:extLst>
               <a:ext uri="{FF2B5EF4-FFF2-40B4-BE49-F238E27FC236}">
-                <a16:creationId xmlns:a16="http://schemas.microsoft.com/office/drawing/2014/main" id="{C684A7C5-FCE7-F073-8567-10282882B54D}"/>
+                <a16:creationId xmlns:a16="http://schemas.microsoft.com/office/drawing/2014/main" id="{37E90D2F-F5CF-1A22-ED35-29DB8841EFBF}"/>
               </a:ext>
             </a:extLst>
           </p:cNvPr>
@@ -1434,7 +1434,7 @@
           <p:cNvPr id="7" name="灯片编号占位符 6">
             <a:extLst>
               <a:ext uri="{FF2B5EF4-FFF2-40B4-BE49-F238E27FC236}">
-                <a16:creationId xmlns:a16="http://schemas.microsoft.com/office/drawing/2014/main" id="{6465C0BD-EECE-4916-9232-EC4F18D1026F}"/>
+                <a16:creationId xmlns:a16="http://schemas.microsoft.com/office/drawing/2014/main" id="{D35FD78B-5F74-8F04-7D0C-3AF37DFC0674}"/>
               </a:ext>
             </a:extLst>
           </p:cNvPr>
@@ -1450,7 +1450,7 @@
           <a:bodyPr/>
           <a:lstStyle/>
           <a:p>
-            <a:fld id="{523F25ED-4D58-4AC8-8921-236928804C4E}" type="slidenum">
+            <a:fld id="{0E854AF3-90C5-49E8-8B4F-5305D9669494}" type="slidenum">
               <a:rPr lang="zh-CN" altLang="en-US" smtClean="0"/>
               <a:t>‹#›</a:t>
             </a:fld>
@@ -1461,7 +1461,7 @@
     </p:spTree>
     <p:extLst>
       <p:ext uri="{BB962C8B-B14F-4D97-AF65-F5344CB8AC3E}">
-        <p14:creationId xmlns:p14="http://schemas.microsoft.com/office/powerpoint/2010/main" val="3247948641"/>
+        <p14:creationId xmlns:p14="http://schemas.microsoft.com/office/powerpoint/2010/main" val="2400872192"/>
       </p:ext>
     </p:extLst>
   </p:cSld>
@@ -1493,7 +1493,7 @@
           <p:cNvPr id="2" name="标题 1">
             <a:extLst>
               <a:ext uri="{FF2B5EF4-FFF2-40B4-BE49-F238E27FC236}">
-                <a16:creationId xmlns:a16="http://schemas.microsoft.com/office/drawing/2014/main" id="{A6A309FA-4049-84F1-144A-A696ED87501C}"/>
+                <a16:creationId xmlns:a16="http://schemas.microsoft.com/office/drawing/2014/main" id="{5E463D9F-6DB7-A9B2-D85E-AEC0AB1D0EF4}"/>
               </a:ext>
             </a:extLst>
           </p:cNvPr>
@@ -1526,7 +1526,7 @@
           <p:cNvPr id="3" name="文本占位符 2">
             <a:extLst>
               <a:ext uri="{FF2B5EF4-FFF2-40B4-BE49-F238E27FC236}">
-                <a16:creationId xmlns:a16="http://schemas.microsoft.com/office/drawing/2014/main" id="{B2692426-D44D-8331-7595-99EC042106A2}"/>
+                <a16:creationId xmlns:a16="http://schemas.microsoft.com/office/drawing/2014/main" id="{748803B2-F326-B007-FB0C-BA81E7B1FBC1}"/>
               </a:ext>
             </a:extLst>
           </p:cNvPr>
@@ -1597,7 +1597,7 @@
           <p:cNvPr id="4" name="内容占位符 3">
             <a:extLst>
               <a:ext uri="{FF2B5EF4-FFF2-40B4-BE49-F238E27FC236}">
-                <a16:creationId xmlns:a16="http://schemas.microsoft.com/office/drawing/2014/main" id="{F0B7E4CA-2048-C715-2817-9C0C6762A0B7}"/>
+                <a16:creationId xmlns:a16="http://schemas.microsoft.com/office/drawing/2014/main" id="{9494DC49-151A-05EA-D7E9-0BA583579BF6}"/>
               </a:ext>
             </a:extLst>
           </p:cNvPr>
@@ -1659,7 +1659,7 @@
           <p:cNvPr id="5" name="文本占位符 4">
             <a:extLst>
               <a:ext uri="{FF2B5EF4-FFF2-40B4-BE49-F238E27FC236}">
-                <a16:creationId xmlns:a16="http://schemas.microsoft.com/office/drawing/2014/main" id="{1B81D20D-849A-D162-24F4-8874A63EA7F8}"/>
+                <a16:creationId xmlns:a16="http://schemas.microsoft.com/office/drawing/2014/main" id="{7E49DFD6-2201-84A2-1681-14F1DAB96389}"/>
               </a:ext>
             </a:extLst>
           </p:cNvPr>
@@ -1730,7 +1730,7 @@
           <p:cNvPr id="6" name="内容占位符 5">
             <a:extLst>
               <a:ext uri="{FF2B5EF4-FFF2-40B4-BE49-F238E27FC236}">
-                <a16:creationId xmlns:a16="http://schemas.microsoft.com/office/drawing/2014/main" id="{20F4FF29-506B-91A2-4C83-40BEB4389AA0}"/>
+                <a16:creationId xmlns:a16="http://schemas.microsoft.com/office/drawing/2014/main" id="{BF68A135-32B4-60E6-8D02-DC5BEACD78D6}"/>
               </a:ext>
             </a:extLst>
           </p:cNvPr>
@@ -1792,7 +1792,7 @@
           <p:cNvPr id="7" name="日期占位符 6">
             <a:extLst>
               <a:ext uri="{FF2B5EF4-FFF2-40B4-BE49-F238E27FC236}">
-                <a16:creationId xmlns:a16="http://schemas.microsoft.com/office/drawing/2014/main" id="{232A47E0-559F-4ED8-4EB2-DA9473573A97}"/>
+                <a16:creationId xmlns:a16="http://schemas.microsoft.com/office/drawing/2014/main" id="{0381F440-82F8-9F47-354B-F22C638BA6A7}"/>
               </a:ext>
             </a:extLst>
           </p:cNvPr>
@@ -1808,7 +1808,7 @@
           <a:bodyPr/>
           <a:lstStyle/>
           <a:p>
-            <a:fld id="{88D0AF80-BF74-4010-A162-80714A657DDA}" type="datetimeFigureOut">
+            <a:fld id="{55900E3D-7F46-4E1C-8F4E-429813DBF53F}" type="datetimeFigureOut">
               <a:rPr lang="zh-CN" altLang="en-US" smtClean="0"/>
               <a:t>2024/3/10</a:t>
             </a:fld>
@@ -1821,7 +1821,7 @@
           <p:cNvPr id="8" name="页脚占位符 7">
             <a:extLst>
               <a:ext uri="{FF2B5EF4-FFF2-40B4-BE49-F238E27FC236}">
-                <a16:creationId xmlns:a16="http://schemas.microsoft.com/office/drawing/2014/main" id="{F8F3506D-1C13-757E-679E-59326B0AEBF8}"/>
+                <a16:creationId xmlns:a16="http://schemas.microsoft.com/office/drawing/2014/main" id="{75AF267A-4E85-1648-ACE8-76BA863F292B}"/>
               </a:ext>
             </a:extLst>
           </p:cNvPr>
@@ -1846,7 +1846,7 @@
           <p:cNvPr id="9" name="灯片编号占位符 8">
             <a:extLst>
               <a:ext uri="{FF2B5EF4-FFF2-40B4-BE49-F238E27FC236}">
-                <a16:creationId xmlns:a16="http://schemas.microsoft.com/office/drawing/2014/main" id="{10B7946A-FFA4-9E3B-987A-921B7C2B83ED}"/>
+                <a16:creationId xmlns:a16="http://schemas.microsoft.com/office/drawing/2014/main" id="{3068AC44-17AE-FBAC-EC80-16223386A963}"/>
               </a:ext>
             </a:extLst>
           </p:cNvPr>
@@ -1862,7 +1862,7 @@
           <a:bodyPr/>
           <a:lstStyle/>
           <a:p>
-            <a:fld id="{523F25ED-4D58-4AC8-8921-236928804C4E}" type="slidenum">
+            <a:fld id="{0E854AF3-90C5-49E8-8B4F-5305D9669494}" type="slidenum">
               <a:rPr lang="zh-CN" altLang="en-US" smtClean="0"/>
               <a:t>‹#›</a:t>
             </a:fld>
@@ -1873,7 +1873,7 @@
     </p:spTree>
     <p:extLst>
       <p:ext uri="{BB962C8B-B14F-4D97-AF65-F5344CB8AC3E}">
-        <p14:creationId xmlns:p14="http://schemas.microsoft.com/office/powerpoint/2010/main" val="1495129976"/>
+        <p14:creationId xmlns:p14="http://schemas.microsoft.com/office/powerpoint/2010/main" val="1296348068"/>
       </p:ext>
     </p:extLst>
   </p:cSld>
@@ -1905,7 +1905,7 @@
           <p:cNvPr id="2" name="标题 1">
             <a:extLst>
               <a:ext uri="{FF2B5EF4-FFF2-40B4-BE49-F238E27FC236}">
-                <a16:creationId xmlns:a16="http://schemas.microsoft.com/office/drawing/2014/main" id="{C9B82B45-3FC4-4F11-C656-3A93D073B352}"/>
+                <a16:creationId xmlns:a16="http://schemas.microsoft.com/office/drawing/2014/main" id="{5294A945-1520-9D3E-53A8-EA7EDAE140CF}"/>
               </a:ext>
             </a:extLst>
           </p:cNvPr>
@@ -1933,7 +1933,7 @@
           <p:cNvPr id="3" name="日期占位符 2">
             <a:extLst>
               <a:ext uri="{FF2B5EF4-FFF2-40B4-BE49-F238E27FC236}">
-                <a16:creationId xmlns:a16="http://schemas.microsoft.com/office/drawing/2014/main" id="{561F0D42-A2FC-CF56-EF48-CDF68887176D}"/>
+                <a16:creationId xmlns:a16="http://schemas.microsoft.com/office/drawing/2014/main" id="{9A5EF732-9A27-F2CC-A690-392A535C8E3A}"/>
               </a:ext>
             </a:extLst>
           </p:cNvPr>
@@ -1949,7 +1949,7 @@
           <a:bodyPr/>
           <a:lstStyle/>
           <a:p>
-            <a:fld id="{88D0AF80-BF74-4010-A162-80714A657DDA}" type="datetimeFigureOut">
+            <a:fld id="{55900E3D-7F46-4E1C-8F4E-429813DBF53F}" type="datetimeFigureOut">
               <a:rPr lang="zh-CN" altLang="en-US" smtClean="0"/>
               <a:t>2024/3/10</a:t>
             </a:fld>
@@ -1962,7 +1962,7 @@
           <p:cNvPr id="4" name="页脚占位符 3">
             <a:extLst>
               <a:ext uri="{FF2B5EF4-FFF2-40B4-BE49-F238E27FC236}">
-                <a16:creationId xmlns:a16="http://schemas.microsoft.com/office/drawing/2014/main" id="{76F7B7A9-DCC0-10F6-A81A-4C2A76DCDBDD}"/>
+                <a16:creationId xmlns:a16="http://schemas.microsoft.com/office/drawing/2014/main" id="{8CAFEAB6-D63F-91D8-91F4-3519192BE4DB}"/>
               </a:ext>
             </a:extLst>
           </p:cNvPr>
@@ -1987,7 +1987,7 @@
           <p:cNvPr id="5" name="灯片编号占位符 4">
             <a:extLst>
               <a:ext uri="{FF2B5EF4-FFF2-40B4-BE49-F238E27FC236}">
-                <a16:creationId xmlns:a16="http://schemas.microsoft.com/office/drawing/2014/main" id="{5E88AEE2-47DA-C6DC-CED5-A29FB948BB1F}"/>
+                <a16:creationId xmlns:a16="http://schemas.microsoft.com/office/drawing/2014/main" id="{778413C7-88B7-27B6-8A70-B798D8D0F7B6}"/>
               </a:ext>
             </a:extLst>
           </p:cNvPr>
@@ -2003,7 +2003,7 @@
           <a:bodyPr/>
           <a:lstStyle/>
           <a:p>
-            <a:fld id="{523F25ED-4D58-4AC8-8921-236928804C4E}" type="slidenum">
+            <a:fld id="{0E854AF3-90C5-49E8-8B4F-5305D9669494}" type="slidenum">
               <a:rPr lang="zh-CN" altLang="en-US" smtClean="0"/>
               <a:t>‹#›</a:t>
             </a:fld>
@@ -2014,7 +2014,7 @@
     </p:spTree>
     <p:extLst>
       <p:ext uri="{BB962C8B-B14F-4D97-AF65-F5344CB8AC3E}">
-        <p14:creationId xmlns:p14="http://schemas.microsoft.com/office/powerpoint/2010/main" val="124022909"/>
+        <p14:creationId xmlns:p14="http://schemas.microsoft.com/office/powerpoint/2010/main" val="3930274493"/>
       </p:ext>
     </p:extLst>
   </p:cSld>
@@ -2046,7 +2046,7 @@
           <p:cNvPr id="2" name="日期占位符 1">
             <a:extLst>
               <a:ext uri="{FF2B5EF4-FFF2-40B4-BE49-F238E27FC236}">
-                <a16:creationId xmlns:a16="http://schemas.microsoft.com/office/drawing/2014/main" id="{E30313B1-79AF-5DE9-48D9-DA04D4DFFF31}"/>
+                <a16:creationId xmlns:a16="http://schemas.microsoft.com/office/drawing/2014/main" id="{E3E6F767-BA7A-6EE5-9EE8-F7C01304E7D0}"/>
               </a:ext>
             </a:extLst>
           </p:cNvPr>
@@ -2062,7 +2062,7 @@
           <a:bodyPr/>
           <a:lstStyle/>
           <a:p>
-            <a:fld id="{88D0AF80-BF74-4010-A162-80714A657DDA}" type="datetimeFigureOut">
+            <a:fld id="{55900E3D-7F46-4E1C-8F4E-429813DBF53F}" type="datetimeFigureOut">
               <a:rPr lang="zh-CN" altLang="en-US" smtClean="0"/>
               <a:t>2024/3/10</a:t>
             </a:fld>
@@ -2075,7 +2075,7 @@
           <p:cNvPr id="3" name="页脚占位符 2">
             <a:extLst>
               <a:ext uri="{FF2B5EF4-FFF2-40B4-BE49-F238E27FC236}">
-                <a16:creationId xmlns:a16="http://schemas.microsoft.com/office/drawing/2014/main" id="{FB285DD7-DEB4-9554-8F33-F0470BC0FC00}"/>
+                <a16:creationId xmlns:a16="http://schemas.microsoft.com/office/drawing/2014/main" id="{7E8C88D1-E8F4-194B-8056-C91E22D1A78F}"/>
               </a:ext>
             </a:extLst>
           </p:cNvPr>
@@ -2100,7 +2100,7 @@
           <p:cNvPr id="4" name="灯片编号占位符 3">
             <a:extLst>
               <a:ext uri="{FF2B5EF4-FFF2-40B4-BE49-F238E27FC236}">
-                <a16:creationId xmlns:a16="http://schemas.microsoft.com/office/drawing/2014/main" id="{B50457C7-919F-E2C3-E7C7-80011D5B625F}"/>
+                <a16:creationId xmlns:a16="http://schemas.microsoft.com/office/drawing/2014/main" id="{40D401CC-C361-1ABD-83C4-642DC32F8F79}"/>
               </a:ext>
             </a:extLst>
           </p:cNvPr>
@@ -2116,7 +2116,7 @@
           <a:bodyPr/>
           <a:lstStyle/>
           <a:p>
-            <a:fld id="{523F25ED-4D58-4AC8-8921-236928804C4E}" type="slidenum">
+            <a:fld id="{0E854AF3-90C5-49E8-8B4F-5305D9669494}" type="slidenum">
               <a:rPr lang="zh-CN" altLang="en-US" smtClean="0"/>
               <a:t>‹#›</a:t>
             </a:fld>
@@ -2127,7 +2127,7 @@
     </p:spTree>
     <p:extLst>
       <p:ext uri="{BB962C8B-B14F-4D97-AF65-F5344CB8AC3E}">
-        <p14:creationId xmlns:p14="http://schemas.microsoft.com/office/powerpoint/2010/main" val="1964047224"/>
+        <p14:creationId xmlns:p14="http://schemas.microsoft.com/office/powerpoint/2010/main" val="3948252294"/>
       </p:ext>
     </p:extLst>
   </p:cSld>
@@ -2159,7 +2159,7 @@
           <p:cNvPr id="2" name="标题 1">
             <a:extLst>
               <a:ext uri="{FF2B5EF4-FFF2-40B4-BE49-F238E27FC236}">
-                <a16:creationId xmlns:a16="http://schemas.microsoft.com/office/drawing/2014/main" id="{6A6BF0DC-1444-043E-14A7-A91A9FB9B0B5}"/>
+                <a16:creationId xmlns:a16="http://schemas.microsoft.com/office/drawing/2014/main" id="{D9386BA7-381A-5E0B-5ECA-312CF75B55DC}"/>
               </a:ext>
             </a:extLst>
           </p:cNvPr>
@@ -2196,7 +2196,7 @@
           <p:cNvPr id="3" name="内容占位符 2">
             <a:extLst>
               <a:ext uri="{FF2B5EF4-FFF2-40B4-BE49-F238E27FC236}">
-                <a16:creationId xmlns:a16="http://schemas.microsoft.com/office/drawing/2014/main" id="{A71DA59E-6D0C-732B-4A26-F859D1B5A97D}"/>
+                <a16:creationId xmlns:a16="http://schemas.microsoft.com/office/drawing/2014/main" id="{2DD088A8-E134-E207-BD45-24CE3F4C6B31}"/>
               </a:ext>
             </a:extLst>
           </p:cNvPr>
@@ -2286,7 +2286,7 @@
           <p:cNvPr id="4" name="文本占位符 3">
             <a:extLst>
               <a:ext uri="{FF2B5EF4-FFF2-40B4-BE49-F238E27FC236}">
-                <a16:creationId xmlns:a16="http://schemas.microsoft.com/office/drawing/2014/main" id="{88D5FB75-533E-D3B5-8D5A-20B4E3E63282}"/>
+                <a16:creationId xmlns:a16="http://schemas.microsoft.com/office/drawing/2014/main" id="{775183FF-E3D7-95C8-62F9-35D045503E55}"/>
               </a:ext>
             </a:extLst>
           </p:cNvPr>
@@ -2357,7 +2357,7 @@
           <p:cNvPr id="5" name="日期占位符 4">
             <a:extLst>
               <a:ext uri="{FF2B5EF4-FFF2-40B4-BE49-F238E27FC236}">
-                <a16:creationId xmlns:a16="http://schemas.microsoft.com/office/drawing/2014/main" id="{751835A2-CBC6-2045-21B9-4491EFA15F04}"/>
+                <a16:creationId xmlns:a16="http://schemas.microsoft.com/office/drawing/2014/main" id="{7D1FE6E8-B1F5-69A5-E615-6385359239C5}"/>
               </a:ext>
             </a:extLst>
           </p:cNvPr>
@@ -2373,7 +2373,7 @@
           <a:bodyPr/>
           <a:lstStyle/>
           <a:p>
-            <a:fld id="{88D0AF80-BF74-4010-A162-80714A657DDA}" type="datetimeFigureOut">
+            <a:fld id="{55900E3D-7F46-4E1C-8F4E-429813DBF53F}" type="datetimeFigureOut">
               <a:rPr lang="zh-CN" altLang="en-US" smtClean="0"/>
               <a:t>2024/3/10</a:t>
             </a:fld>
@@ -2386,7 +2386,7 @@
           <p:cNvPr id="6" name="页脚占位符 5">
             <a:extLst>
               <a:ext uri="{FF2B5EF4-FFF2-40B4-BE49-F238E27FC236}">
-                <a16:creationId xmlns:a16="http://schemas.microsoft.com/office/drawing/2014/main" id="{93CCF5B1-B36B-D718-F592-18FDB4FC91AA}"/>
+                <a16:creationId xmlns:a16="http://schemas.microsoft.com/office/drawing/2014/main" id="{487FC5A6-850A-9B9E-1549-0ED1090A4145}"/>
               </a:ext>
             </a:extLst>
           </p:cNvPr>
@@ -2411,7 +2411,7 @@
           <p:cNvPr id="7" name="灯片编号占位符 6">
             <a:extLst>
               <a:ext uri="{FF2B5EF4-FFF2-40B4-BE49-F238E27FC236}">
-                <a16:creationId xmlns:a16="http://schemas.microsoft.com/office/drawing/2014/main" id="{9BC38124-A3EF-5C79-AC1B-BD84A25DB708}"/>
+                <a16:creationId xmlns:a16="http://schemas.microsoft.com/office/drawing/2014/main" id="{D9A27274-E2A0-A86C-3CBD-B1DFA813C5D4}"/>
               </a:ext>
             </a:extLst>
           </p:cNvPr>
@@ -2427,7 +2427,7 @@
           <a:bodyPr/>
           <a:lstStyle/>
           <a:p>
-            <a:fld id="{523F25ED-4D58-4AC8-8921-236928804C4E}" type="slidenum">
+            <a:fld id="{0E854AF3-90C5-49E8-8B4F-5305D9669494}" type="slidenum">
               <a:rPr lang="zh-CN" altLang="en-US" smtClean="0"/>
               <a:t>‹#›</a:t>
             </a:fld>
@@ -2438,7 +2438,7 @@
     </p:spTree>
     <p:extLst>
       <p:ext uri="{BB962C8B-B14F-4D97-AF65-F5344CB8AC3E}">
-        <p14:creationId xmlns:p14="http://schemas.microsoft.com/office/powerpoint/2010/main" val="2597858852"/>
+        <p14:creationId xmlns:p14="http://schemas.microsoft.com/office/powerpoint/2010/main" val="593536393"/>
       </p:ext>
     </p:extLst>
   </p:cSld>
@@ -2470,7 +2470,7 @@
           <p:cNvPr id="2" name="标题 1">
             <a:extLst>
               <a:ext uri="{FF2B5EF4-FFF2-40B4-BE49-F238E27FC236}">
-                <a16:creationId xmlns:a16="http://schemas.microsoft.com/office/drawing/2014/main" id="{ADAC064A-8D44-6B00-38FE-36828176E4F1}"/>
+                <a16:creationId xmlns:a16="http://schemas.microsoft.com/office/drawing/2014/main" id="{B83C66F1-05A6-1891-782C-3C72F856B4A2}"/>
               </a:ext>
             </a:extLst>
           </p:cNvPr>
@@ -2507,7 +2507,7 @@
           <p:cNvPr id="3" name="图片占位符 2">
             <a:extLst>
               <a:ext uri="{FF2B5EF4-FFF2-40B4-BE49-F238E27FC236}">
-                <a16:creationId xmlns:a16="http://schemas.microsoft.com/office/drawing/2014/main" id="{D1D6EE4C-B25C-681B-59C5-C79693809673}"/>
+                <a16:creationId xmlns:a16="http://schemas.microsoft.com/office/drawing/2014/main" id="{2E7344C4-A03F-63C8-50E7-96B097AF02FE}"/>
               </a:ext>
             </a:extLst>
           </p:cNvPr>
@@ -2574,7 +2574,7 @@
           <p:cNvPr id="4" name="文本占位符 3">
             <a:extLst>
               <a:ext uri="{FF2B5EF4-FFF2-40B4-BE49-F238E27FC236}">
-                <a16:creationId xmlns:a16="http://schemas.microsoft.com/office/drawing/2014/main" id="{18A20700-6EDC-F699-10F5-3E6B266A0B89}"/>
+                <a16:creationId xmlns:a16="http://schemas.microsoft.com/office/drawing/2014/main" id="{7A879C9B-45A6-E0D3-30F1-5DCB370848EB}"/>
               </a:ext>
             </a:extLst>
           </p:cNvPr>
@@ -2645,7 +2645,7 @@
           <p:cNvPr id="5" name="日期占位符 4">
             <a:extLst>
               <a:ext uri="{FF2B5EF4-FFF2-40B4-BE49-F238E27FC236}">
-                <a16:creationId xmlns:a16="http://schemas.microsoft.com/office/drawing/2014/main" id="{859D93B1-80CB-202E-51A7-F4E46891A791}"/>
+                <a16:creationId xmlns:a16="http://schemas.microsoft.com/office/drawing/2014/main" id="{8DB89A8A-864C-637D-1A46-476A0D1179A6}"/>
               </a:ext>
             </a:extLst>
           </p:cNvPr>
@@ -2661,7 +2661,7 @@
           <a:bodyPr/>
           <a:lstStyle/>
           <a:p>
-            <a:fld id="{88D0AF80-BF74-4010-A162-80714A657DDA}" type="datetimeFigureOut">
+            <a:fld id="{55900E3D-7F46-4E1C-8F4E-429813DBF53F}" type="datetimeFigureOut">
               <a:rPr lang="zh-CN" altLang="en-US" smtClean="0"/>
               <a:t>2024/3/10</a:t>
             </a:fld>
@@ -2674,7 +2674,7 @@
           <p:cNvPr id="6" name="页脚占位符 5">
             <a:extLst>
               <a:ext uri="{FF2B5EF4-FFF2-40B4-BE49-F238E27FC236}">
-                <a16:creationId xmlns:a16="http://schemas.microsoft.com/office/drawing/2014/main" id="{DF191542-45AC-7B3C-EA20-1FCAAF9AD45F}"/>
+                <a16:creationId xmlns:a16="http://schemas.microsoft.com/office/drawing/2014/main" id="{5B8A56DC-3E84-A949-176B-B0B7304C9BA1}"/>
               </a:ext>
             </a:extLst>
           </p:cNvPr>
@@ -2699,7 +2699,7 @@
           <p:cNvPr id="7" name="灯片编号占位符 6">
             <a:extLst>
               <a:ext uri="{FF2B5EF4-FFF2-40B4-BE49-F238E27FC236}">
-                <a16:creationId xmlns:a16="http://schemas.microsoft.com/office/drawing/2014/main" id="{57C9C3FE-43A8-8DC4-1245-712482C95F1A}"/>
+                <a16:creationId xmlns:a16="http://schemas.microsoft.com/office/drawing/2014/main" id="{3887362D-C6FD-3D0F-692F-F04B5B5A8DB8}"/>
               </a:ext>
             </a:extLst>
           </p:cNvPr>
@@ -2715,7 +2715,7 @@
           <a:bodyPr/>
           <a:lstStyle/>
           <a:p>
-            <a:fld id="{523F25ED-4D58-4AC8-8921-236928804C4E}" type="slidenum">
+            <a:fld id="{0E854AF3-90C5-49E8-8B4F-5305D9669494}" type="slidenum">
               <a:rPr lang="zh-CN" altLang="en-US" smtClean="0"/>
               <a:t>‹#›</a:t>
             </a:fld>
@@ -2726,7 +2726,7 @@
     </p:spTree>
     <p:extLst>
       <p:ext uri="{BB962C8B-B14F-4D97-AF65-F5344CB8AC3E}">
-        <p14:creationId xmlns:p14="http://schemas.microsoft.com/office/powerpoint/2010/main" val="2295988856"/>
+        <p14:creationId xmlns:p14="http://schemas.microsoft.com/office/powerpoint/2010/main" val="522536898"/>
       </p:ext>
     </p:extLst>
   </p:cSld>
@@ -2763,7 +2763,7 @@
           <p:cNvPr id="2" name="标题占位符 1">
             <a:extLst>
               <a:ext uri="{FF2B5EF4-FFF2-40B4-BE49-F238E27FC236}">
-                <a16:creationId xmlns:a16="http://schemas.microsoft.com/office/drawing/2014/main" id="{DB92C1A4-AB46-E3EC-8B1C-D8ACADFD0718}"/>
+                <a16:creationId xmlns:a16="http://schemas.microsoft.com/office/drawing/2014/main" id="{FA27173A-1FB9-A3B1-65B0-746BBB6D8E9F}"/>
               </a:ext>
             </a:extLst>
           </p:cNvPr>
@@ -2801,7 +2801,7 @@
           <p:cNvPr id="3" name="文本占位符 2">
             <a:extLst>
               <a:ext uri="{FF2B5EF4-FFF2-40B4-BE49-F238E27FC236}">
-                <a16:creationId xmlns:a16="http://schemas.microsoft.com/office/drawing/2014/main" id="{8BB525CE-EFA9-0E0C-7125-2BE82A489F3B}"/>
+                <a16:creationId xmlns:a16="http://schemas.microsoft.com/office/drawing/2014/main" id="{BB35932B-4938-BC53-1FE8-E9BC7A932071}"/>
               </a:ext>
             </a:extLst>
           </p:cNvPr>
@@ -2868,7 +2868,7 @@
           <p:cNvPr id="4" name="日期占位符 3">
             <a:extLst>
               <a:ext uri="{FF2B5EF4-FFF2-40B4-BE49-F238E27FC236}">
-                <a16:creationId xmlns:a16="http://schemas.microsoft.com/office/drawing/2014/main" id="{2FAD038E-CA27-9187-5187-3DDFC093B3B1}"/>
+                <a16:creationId xmlns:a16="http://schemas.microsoft.com/office/drawing/2014/main" id="{8BDBCC37-9626-EB7F-11D3-8AABBFA49CBF}"/>
               </a:ext>
             </a:extLst>
           </p:cNvPr>
@@ -2902,7 +2902,7 @@
             </a:lvl1pPr>
           </a:lstStyle>
           <a:p>
-            <a:fld id="{88D0AF80-BF74-4010-A162-80714A657DDA}" type="datetimeFigureOut">
+            <a:fld id="{55900E3D-7F46-4E1C-8F4E-429813DBF53F}" type="datetimeFigureOut">
               <a:rPr lang="zh-CN" altLang="en-US" smtClean="0"/>
               <a:t>2024/3/10</a:t>
             </a:fld>
@@ -2915,7 +2915,7 @@
           <p:cNvPr id="5" name="页脚占位符 4">
             <a:extLst>
               <a:ext uri="{FF2B5EF4-FFF2-40B4-BE49-F238E27FC236}">
-                <a16:creationId xmlns:a16="http://schemas.microsoft.com/office/drawing/2014/main" id="{6D7C5F16-05C1-DF41-7C41-30E8CB5358FE}"/>
+                <a16:creationId xmlns:a16="http://schemas.microsoft.com/office/drawing/2014/main" id="{587A1DAB-AE84-9F90-ACAC-6322F81521E5}"/>
               </a:ext>
             </a:extLst>
           </p:cNvPr>
@@ -2958,7 +2958,7 @@
           <p:cNvPr id="6" name="灯片编号占位符 5">
             <a:extLst>
               <a:ext uri="{FF2B5EF4-FFF2-40B4-BE49-F238E27FC236}">
-                <a16:creationId xmlns:a16="http://schemas.microsoft.com/office/drawing/2014/main" id="{40C060D4-2D90-F4F6-3C30-72267B6C5CA8}"/>
+                <a16:creationId xmlns:a16="http://schemas.microsoft.com/office/drawing/2014/main" id="{83BD3FD3-14E1-753E-7629-580565C4498C}"/>
               </a:ext>
             </a:extLst>
           </p:cNvPr>
@@ -2992,7 +2992,7 @@
             </a:lvl1pPr>
           </a:lstStyle>
           <a:p>
-            <a:fld id="{523F25ED-4D58-4AC8-8921-236928804C4E}" type="slidenum">
+            <a:fld id="{0E854AF3-90C5-49E8-8B4F-5305D9669494}" type="slidenum">
               <a:rPr lang="zh-CN" altLang="en-US" smtClean="0"/>
               <a:t>‹#›</a:t>
             </a:fld>
@@ -3003,7 +3003,7 @@
     </p:spTree>
     <p:extLst>
       <p:ext uri="{BB962C8B-B14F-4D97-AF65-F5344CB8AC3E}">
-        <p14:creationId xmlns:p14="http://schemas.microsoft.com/office/powerpoint/2010/main" val="375736351"/>
+        <p14:creationId xmlns:p14="http://schemas.microsoft.com/office/powerpoint/2010/main" val="2534193723"/>
       </p:ext>
     </p:extLst>
   </p:cSld>
